--- a/123/NETMOD/draft-netana-nmop-yang-anydata-validation.pptx
+++ b/123/NETMOD/draft-netana-nmop-yang-anydata-validation.pptx
@@ -3097,7 +3097,7 @@
           <a:p>
             <a:fld id="{E5E705E9-673F-4AC4-B29E-A7B26F3B8523}" type="datetimeFigureOut">
               <a:rPr lang="de-CH" smtClean="0"/>
-              <a:t>18.07.25</a:t>
+              <a:t>18.07.2025</a:t>
             </a:fld>
             <a:endParaRPr lang="de-CH"/>
           </a:p>
@@ -3514,7 +3514,7 @@
           <a:p>
             <a:fld id="{60AE0FFF-3D64-AE4C-B21E-8164A14ED676}" type="datetime1">
               <a:rPr lang="en-US" smtClean="0"/>
-              <a:t>7/18/25</a:t>
+              <a:t>7/18/2025</a:t>
             </a:fld>
             <a:endParaRPr lang="de-CH"/>
           </a:p>
@@ -3714,7 +3714,7 @@
           <a:p>
             <a:fld id="{7646E496-7A7F-AB44-BE3A-2E5AF6A316DE}" type="datetime1">
               <a:rPr lang="en-US" smtClean="0"/>
-              <a:t>7/18/25</a:t>
+              <a:t>7/18/2025</a:t>
             </a:fld>
             <a:endParaRPr lang="de-CH"/>
           </a:p>
@@ -3924,7 +3924,7 @@
           <a:p>
             <a:fld id="{83E378CF-EEE1-8547-A8B5-123A82612740}" type="datetime1">
               <a:rPr lang="en-US" smtClean="0"/>
-              <a:t>7/18/25</a:t>
+              <a:t>7/18/2025</a:t>
             </a:fld>
             <a:endParaRPr lang="de-CH"/>
           </a:p>
@@ -4124,7 +4124,7 @@
           <a:p>
             <a:fld id="{BEDB2DFF-1DD4-0B47-83CE-B302059571AE}" type="datetime1">
               <a:rPr lang="en-US" smtClean="0"/>
-              <a:t>7/18/25</a:t>
+              <a:t>7/18/2025</a:t>
             </a:fld>
             <a:endParaRPr lang="de-CH"/>
           </a:p>
@@ -4400,7 +4400,7 @@
           <a:p>
             <a:fld id="{F4018A41-07E7-2046-8C75-182C42941864}" type="datetime1">
               <a:rPr lang="en-US" smtClean="0"/>
-              <a:t>7/18/25</a:t>
+              <a:t>7/18/2025</a:t>
             </a:fld>
             <a:endParaRPr lang="de-CH"/>
           </a:p>
@@ -4668,7 +4668,7 @@
           <a:p>
             <a:fld id="{65401093-94A1-2B42-8616-46ED1CD9B3F1}" type="datetime1">
               <a:rPr lang="en-US" smtClean="0"/>
-              <a:t>7/18/25</a:t>
+              <a:t>7/18/2025</a:t>
             </a:fld>
             <a:endParaRPr lang="de-CH"/>
           </a:p>
@@ -5083,7 +5083,7 @@
           <a:p>
             <a:fld id="{C0A8B73F-753B-2546-A37E-DCDE4E92DC19}" type="datetime1">
               <a:rPr lang="en-US" smtClean="0"/>
-              <a:t>7/18/25</a:t>
+              <a:t>7/18/2025</a:t>
             </a:fld>
             <a:endParaRPr lang="de-CH"/>
           </a:p>
@@ -5225,7 +5225,7 @@
           <a:p>
             <a:fld id="{B809C66E-AEC8-C14B-A773-D61AA392B46C}" type="datetime1">
               <a:rPr lang="en-US" smtClean="0"/>
-              <a:t>7/18/25</a:t>
+              <a:t>7/18/2025</a:t>
             </a:fld>
             <a:endParaRPr lang="de-CH"/>
           </a:p>
@@ -5338,7 +5338,7 @@
           <a:p>
             <a:fld id="{15FF3686-E283-7E46-BE67-D9085BAE03C1}" type="datetime1">
               <a:rPr lang="en-US" smtClean="0"/>
-              <a:t>7/18/25</a:t>
+              <a:t>7/18/2025</a:t>
             </a:fld>
             <a:endParaRPr lang="de-CH"/>
           </a:p>
@@ -5651,7 +5651,7 @@
           <a:p>
             <a:fld id="{9BA642F2-9B96-C84D-B0BE-743BC9EDDE8F}" type="datetime1">
               <a:rPr lang="en-US" smtClean="0"/>
-              <a:t>7/18/25</a:t>
+              <a:t>7/18/2025</a:t>
             </a:fld>
             <a:endParaRPr lang="de-CH"/>
           </a:p>
@@ -5940,7 +5940,7 @@
           <a:p>
             <a:fld id="{F3DB93E5-7C4A-3E47-9794-DC50B46CE2E0}" type="datetime1">
               <a:rPr lang="en-US" smtClean="0"/>
-              <a:t>7/18/25</a:t>
+              <a:t>7/18/2025</a:t>
             </a:fld>
             <a:endParaRPr lang="de-CH"/>
           </a:p>
@@ -6183,7 +6183,7 @@
           <a:p>
             <a:fld id="{4C62BDD9-8F0A-C04D-9FCE-7BA02685E4FE}" type="datetime1">
               <a:rPr lang="en-US" smtClean="0"/>
-              <a:t>7/18/25</a:t>
+              <a:t>7/18/2025</a:t>
             </a:fld>
             <a:endParaRPr lang="de-CH"/>
           </a:p>
@@ -6650,7 +6650,7 @@
           <a:p>
             <a:r>
               <a:rPr lang="en-US" sz="3400" b="1" dirty="0"/>
-              <a:t>Validating </a:t>
+              <a:t>Validate </a:t>
             </a:r>
             <a:r>
               <a:rPr lang="en-US" sz="3400" b="1" dirty="0" err="1"/>
@@ -6658,7 +6658,7 @@
             </a:r>
             <a:r>
               <a:rPr lang="en-US" sz="3400" b="1" dirty="0"/>
-              <a:t> in YANG Library context</a:t>
+              <a:t> with YANG Library context</a:t>
             </a:r>
             <a:endParaRPr lang="en-US" sz="2800" dirty="0"/>
           </a:p>
@@ -6996,7 +6996,7 @@
                 <a:latin typeface="+mj-lt"/>
                 <a:hlinkClick r:id="rId3"/>
               </a:rPr>
-              <a:t>Thomas.graf@swisscom.com</a:t>
+              <a:t>thomas.graf@swisscom.com</a:t>
             </a:r>
             <a:endParaRPr lang="de-CH" sz="4000" dirty="0">
               <a:latin typeface="+mj-lt"/>
@@ -8025,7 +8025,7 @@
             </a:r>
             <a:r>
               <a:rPr lang="en-US" dirty="0"/>
-              <a:t>. It is possible, though not required, for the data model for </a:t>
+              <a:t>. It is possible for the data model, though not required, for </a:t>
             </a:r>
             <a:r>
               <a:rPr lang="en-US" dirty="0" err="1"/>
@@ -8202,8 +8202,19 @@
                 </a:solidFill>
                 <a:effectLst/>
                 <a:latin typeface="Menlo" panose="020B0609030804020204" pitchFamily="49" charset="0"/>
-              </a:rPr>
-              <a:t>RFC 8342: </a:t>
+                <a:hlinkClick r:id="rId2"/>
+              </a:rPr>
+              <a:t>RFC 8342</a:t>
+            </a:r>
+            <a:r>
+              <a:rPr lang="en-US" b="0" dirty="0">
+                <a:solidFill>
+                  <a:srgbClr val="000000"/>
+                </a:solidFill>
+                <a:effectLst/>
+                <a:latin typeface="Menlo" panose="020B0609030804020204" pitchFamily="49" charset="0"/>
+              </a:rPr>
+              <a:t>: </a:t>
             </a:r>
             <a:r>
               <a:rPr lang="en-US" b="0" dirty="0" err="1">
@@ -8232,8 +8243,19 @@
                 </a:solidFill>
                 <a:effectLst/>
                 <a:latin typeface="Menlo" panose="020B0609030804020204" pitchFamily="49" charset="0"/>
-              </a:rPr>
-              <a:t>RFC 9144: </a:t>
+                <a:hlinkClick r:id="rId3"/>
+              </a:rPr>
+              <a:t>RFC 9144</a:t>
+            </a:r>
+            <a:r>
+              <a:rPr lang="en-US" b="0" dirty="0">
+                <a:solidFill>
+                  <a:srgbClr val="000000"/>
+                </a:solidFill>
+                <a:effectLst/>
+                <a:latin typeface="Menlo" panose="020B0609030804020204" pitchFamily="49" charset="0"/>
+              </a:rPr>
+              <a:t>: </a:t>
             </a:r>
             <a:r>
               <a:rPr lang="en-US" b="0" dirty="0" err="1">
@@ -8285,8 +8307,19 @@
                 </a:solidFill>
                 <a:effectLst/>
                 <a:latin typeface="Menlo" panose="020B0609030804020204" pitchFamily="49" charset="0"/>
-              </a:rPr>
-              <a:t>RFC 8040: </a:t>
+                <a:hlinkClick r:id="rId4"/>
+              </a:rPr>
+              <a:t>RFC 8040</a:t>
+            </a:r>
+            <a:r>
+              <a:rPr lang="en-US" b="0" dirty="0">
+                <a:solidFill>
+                  <a:srgbClr val="000000"/>
+                </a:solidFill>
+                <a:effectLst/>
+                <a:latin typeface="Menlo" panose="020B0609030804020204" pitchFamily="49" charset="0"/>
+              </a:rPr>
+              <a:t>: </a:t>
             </a:r>
             <a:r>
               <a:rPr lang="en-US" b="0" dirty="0" err="1">
@@ -8314,8 +8347,18 @@
                   <a:srgbClr val="000000"/>
                 </a:solidFill>
                 <a:latin typeface="Menlo" panose="020B0609030804020204" pitchFamily="49" charset="0"/>
-              </a:rPr>
-              <a:t>RFC 8639: </a:t>
+                <a:hlinkClick r:id="rId5"/>
+              </a:rPr>
+              <a:t>RFC 8639</a:t>
+            </a:r>
+            <a:r>
+              <a:rPr lang="en-US" dirty="0">
+                <a:solidFill>
+                  <a:srgbClr val="000000"/>
+                </a:solidFill>
+                <a:latin typeface="Menlo" panose="020B0609030804020204" pitchFamily="49" charset="0"/>
+              </a:rPr>
+              <a:t>: </a:t>
             </a:r>
             <a:r>
               <a:rPr lang="en-US" b="0" dirty="0" err="1">
@@ -8346,8 +8389,18 @@
                   <a:srgbClr val="000000"/>
                 </a:solidFill>
                 <a:latin typeface="Menlo" panose="020B0609030804020204" pitchFamily="49" charset="0"/>
-              </a:rPr>
-              <a:t>RFC 9195: </a:t>
+                <a:hlinkClick r:id="rId6"/>
+              </a:rPr>
+              <a:t>RFC 9195</a:t>
+            </a:r>
+            <a:r>
+              <a:rPr lang="en-US" dirty="0">
+                <a:solidFill>
+                  <a:srgbClr val="000000"/>
+                </a:solidFill>
+                <a:latin typeface="Menlo" panose="020B0609030804020204" pitchFamily="49" charset="0"/>
+              </a:rPr>
+              <a:t>: </a:t>
             </a:r>
             <a:r>
               <a:rPr lang="en-US" b="0" dirty="0" err="1">
@@ -8379,8 +8432,19 @@
                 </a:solidFill>
                 <a:effectLst/>
                 <a:latin typeface="Menlo" panose="020B0609030804020204" pitchFamily="49" charset="0"/>
-              </a:rPr>
-              <a:t>RFC 8072: </a:t>
+                <a:hlinkClick r:id="rId7"/>
+              </a:rPr>
+              <a:t>RFC 8072</a:t>
+            </a:r>
+            <a:r>
+              <a:rPr lang="en-US" b="0" dirty="0">
+                <a:solidFill>
+                  <a:srgbClr val="000000"/>
+                </a:solidFill>
+                <a:effectLst/>
+                <a:latin typeface="Menlo" panose="020B0609030804020204" pitchFamily="49" charset="0"/>
+              </a:rPr>
+              <a:t>: </a:t>
             </a:r>
             <a:r>
               <a:rPr lang="en-US" b="0" dirty="0" err="1">
@@ -8411,8 +8475,18 @@
                   <a:srgbClr val="000000"/>
                 </a:solidFill>
                 <a:latin typeface="Menlo" panose="020B0609030804020204" pitchFamily="49" charset="0"/>
-              </a:rPr>
-              <a:t>RFC 8072: </a:t>
+                <a:hlinkClick r:id="rId8"/>
+              </a:rPr>
+              <a:t>RFC 8641</a:t>
+            </a:r>
+            <a:r>
+              <a:rPr lang="en-US" dirty="0">
+                <a:solidFill>
+                  <a:srgbClr val="000000"/>
+                </a:solidFill>
+                <a:latin typeface="Menlo" panose="020B0609030804020204" pitchFamily="49" charset="0"/>
+              </a:rPr>
+              <a:t>: </a:t>
             </a:r>
             <a:r>
               <a:rPr lang="en-US" dirty="0" err="1">
@@ -8442,8 +8516,19 @@
                 </a:solidFill>
                 <a:effectLst/>
                 <a:latin typeface="Menlo" panose="020B0609030804020204" pitchFamily="49" charset="0"/>
-              </a:rPr>
-              <a:t>RFC 8532: </a:t>
+                <a:hlinkClick r:id="rId9"/>
+              </a:rPr>
+              <a:t>RFC 8532</a:t>
+            </a:r>
+            <a:r>
+              <a:rPr lang="en-US" b="0" dirty="0">
+                <a:solidFill>
+                  <a:srgbClr val="000000"/>
+                </a:solidFill>
+                <a:effectLst/>
+                <a:latin typeface="Menlo" panose="020B0609030804020204" pitchFamily="49" charset="0"/>
+              </a:rPr>
+              <a:t>: </a:t>
             </a:r>
             <a:r>
               <a:rPr lang="en-US" b="0" dirty="0" err="1">
@@ -8501,8 +8586,19 @@
                 </a:solidFill>
                 <a:effectLst/>
                 <a:latin typeface="Menlo" panose="020B0609030804020204" pitchFamily="49" charset="0"/>
-              </a:rPr>
-              <a:t>RFC 8791: any YANG data structure is encoded the same way as </a:t>
+                <a:hlinkClick r:id="rId10"/>
+              </a:rPr>
+              <a:t>RFC 8791</a:t>
+            </a:r>
+            <a:r>
+              <a:rPr lang="en-US" b="0" dirty="0">
+                <a:solidFill>
+                  <a:srgbClr val="000000"/>
+                </a:solidFill>
+                <a:effectLst/>
+                <a:latin typeface="Menlo" panose="020B0609030804020204" pitchFamily="49" charset="0"/>
+              </a:rPr>
+              <a:t>: any YANG data structure is encoded the same way as </a:t>
             </a:r>
             <a:r>
               <a:rPr lang="en-US" b="0" dirty="0" err="1">
@@ -8664,7 +8760,7 @@
           <a:p>
             <a:r>
               <a:rPr lang="en-US" dirty="0"/>
-              <a:t>How can we validate the </a:t>
+              <a:t>How can the YANG </a:t>
             </a:r>
             <a:r>
               <a:rPr lang="en-US" dirty="0">
@@ -8696,7 +8792,7 @@
             </a:r>
             <a:r>
               <a:rPr lang="en-US" dirty="0"/>
-              <a:t> node?</a:t>
+              <a:t> node be validated?</a:t>
             </a:r>
           </a:p>
         </p:txBody>
@@ -10361,7 +10457,17 @@
             </a:pPr>
             <a:r>
               <a:rPr lang="en-US" dirty="0"/>
-              <a:t>Clarify the language of validation option and use the terms defined in RFC 7950:</a:t>
+              <a:t>Clarify the language of validation option and use the terms defined in </a:t>
+            </a:r>
+            <a:r>
+              <a:rPr lang="en-US" dirty="0">
+                <a:hlinkClick r:id="rId2"/>
+              </a:rPr>
+              <a:t>RFC 7950</a:t>
+            </a:r>
+            <a:r>
+              <a:rPr lang="en-US" dirty="0"/>
+              <a:t>:</a:t>
             </a:r>
           </a:p>
           <a:p>
@@ -10399,31 +10505,51 @@
             </a:pPr>
             <a:r>
               <a:rPr lang="en-US" dirty="0"/>
-              <a:t>Test the </a:t>
-            </a:r>
-            <a:r>
-              <a:rPr lang="en-US" dirty="0" err="1"/>
-              <a:t>libyang</a:t>
+              <a:t>Test libyang implementation with YANG Push (</a:t>
+            </a:r>
+            <a:r>
+              <a:rPr lang="en-US" dirty="0">
+                <a:hlinkClick r:id="rId3"/>
+              </a:rPr>
+              <a:t>RFC 8072</a:t>
             </a:r>
             <a:r>
               <a:rPr lang="en-US" dirty="0"/>
-              <a:t> implementation with YANG Push (RFC 8072) and draft-</a:t>
-            </a:r>
-            <a:r>
-              <a:rPr lang="en-US" dirty="0" err="1"/>
+              <a:t>) and </a:t>
+            </a:r>
+            <a:r>
+              <a:rPr lang="en-US" dirty="0">
+                <a:hlinkClick r:id="rId4"/>
+              </a:rPr>
+              <a:t>draft-</a:t>
+            </a:r>
+            <a:r>
+              <a:rPr lang="en-US" dirty="0" err="1">
+                <a:hlinkClick r:id="rId4"/>
+              </a:rPr>
               <a:t>ietf</a:t>
             </a:r>
             <a:r>
+              <a:rPr lang="en-US" dirty="0">
+                <a:hlinkClick r:id="rId4"/>
+              </a:rPr>
+              <a:t>-</a:t>
+            </a:r>
+            <a:r>
+              <a:rPr lang="en-US" dirty="0" err="1">
+                <a:hlinkClick r:id="rId4"/>
+              </a:rPr>
+              <a:t>nmop</a:t>
+            </a:r>
+            <a:r>
+              <a:rPr lang="en-US" dirty="0">
+                <a:hlinkClick r:id="rId4"/>
+              </a:rPr>
+              <a:t>-message-broker-telemetry-message</a:t>
+            </a:r>
+            <a:r>
               <a:rPr lang="en-US" dirty="0"/>
-              <a:t>-</a:t>
-            </a:r>
-            <a:r>
-              <a:rPr lang="en-US" dirty="0" err="1"/>
-              <a:t>nmop</a:t>
-            </a:r>
-            <a:r>
-              <a:rPr lang="en-US" dirty="0"/>
-              <a:t>-message-broker-telemetry-message.</a:t>
+              <a:t>.</a:t>
             </a:r>
           </a:p>
         </p:txBody>
@@ -10541,12 +10667,14 @@
               <a:t>Current </a:t>
             </a:r>
             <a:r>
-              <a:rPr lang="en-US" dirty="0" err="1"/>
-              <a:t>libyang</a:t>
+              <a:rPr lang="en-US" dirty="0">
+                <a:hlinkClick r:id="rId2"/>
+              </a:rPr>
+              <a:t>libyang </a:t>
             </a:r>
             <a:r>
               <a:rPr lang="en-US" dirty="0"/>
-              <a:t> implementation disables strict parsing while in </a:t>
+              <a:t>implementation disables strict parsing in </a:t>
             </a:r>
             <a:r>
               <a:rPr lang="en-US" dirty="0" err="1"/>
@@ -10554,7 +10682,7 @@
             </a:r>
             <a:r>
               <a:rPr lang="en-US" dirty="0"/>
-              <a:t> subtree. Implementing this draft would require to change this behavior with an optional flag and use strict validation always.</a:t>
+              <a:t> subtree. Implementing this document would require to change this behavior with an optional flag and use strict validation always.</a:t>
             </a:r>
           </a:p>
         </p:txBody>
@@ -11174,21 +11302,44 @@
           <a:p>
             <a:r>
               <a:rPr lang="en-US" dirty="0"/>
-              <a:t>We request adoption from the NETMOD </a:t>
-            </a:r>
-          </a:p>
-          <a:p>
+              <a:t>We clarified with NMOP, NETMOD chairs and Mahesh as OPS Area AD which working group would apply. Since the document proposes an update to </a:t>
+            </a:r>
+            <a:r>
+              <a:rPr lang="en-US" dirty="0">
+                <a:hlinkClick r:id="rId2"/>
+              </a:rPr>
+              <a:t>RFC 7950</a:t>
+            </a:r>
             <a:r>
               <a:rPr lang="en-US" dirty="0"/>
-              <a:t>Extend the </a:t>
-            </a:r>
-            <a:r>
-              <a:rPr lang="en-US" dirty="0" err="1"/>
-              <a:t>libyang</a:t>
-            </a:r>
-            <a:r>
+              <a:t>, NETMOD would be the target working group according to Mahesh. </a:t>
+            </a:r>
+            <a:br>
               <a:rPr lang="en-US" dirty="0"/>
-              <a:t> implementation to support complete validation.</a:t>
+            </a:br>
+            <a:r>
+              <a:rPr lang="en-US" dirty="0">
+                <a:solidFill>
+                  <a:srgbClr val="FF0000"/>
+                </a:solidFill>
+              </a:rPr>
+              <a:t>-&gt; Therefore, we request NETMOD working group adoption</a:t>
+            </a:r>
+          </a:p>
+          <a:p>
+            <a:r>
+              <a:rPr lang="en-US" dirty="0"/>
+              <a:t>Extend the</a:t>
+            </a:r>
+            <a:r>
+              <a:rPr lang="en-US" dirty="0">
+                <a:hlinkClick r:id="rId3"/>
+              </a:rPr>
+              <a:t> libyang </a:t>
+            </a:r>
+            <a:r>
+              <a:rPr lang="en-US" dirty="0"/>
+              <a:t>implementation to support complete validation.</a:t>
             </a:r>
           </a:p>
           <a:p>
@@ -11197,7 +11348,9 @@
               <a:t>Push changes to </a:t>
             </a:r>
             <a:r>
-              <a:rPr lang="en-US" dirty="0" err="1"/>
+              <a:rPr lang="en-US" dirty="0">
+                <a:hlinkClick r:id="rId3"/>
+              </a:rPr>
               <a:t>libyang</a:t>
             </a:r>
             <a:r>
